--- a/results/images/survey_evaluation.pptx
+++ b/results/images/survey_evaluation.pptx
@@ -104,6 +104,11 @@
       </a:defRPr>
     </a:lvl9pPr>
   </p:defaultTextStyle>
+  <p:extLst>
+    <p:ext uri="{EFAFB233-063F-42B5-8137-9DF3F51BA10A}">
+      <p15:sldGuideLst xmlns:p15="http://schemas.microsoft.com/office/powerpoint/2012/main"/>
+    </p:ext>
+  </p:extLst>
 </p:presentation>
 </file>
 
@@ -147,7 +152,7 @@
               <c:strCache>
                 <c:ptCount val="1"/>
                 <c:pt idx="0">
-                  <c:v>Extremely adequate</c:v>
+                  <c:v>Muito adequada</c:v>
                 </c:pt>
               </c:strCache>
             </c:strRef>
@@ -171,19 +176,19 @@
                   <c:v>CF</c:v>
                 </c:pt>
                 <c:pt idx="1">
-                  <c:v>CT</c:v>
+                  <c:v>ET</c:v>
                 </c:pt>
                 <c:pt idx="2">
-                  <c:v>TC</c:v>
+                  <c:v>CC</c:v>
                 </c:pt>
                 <c:pt idx="3">
-                  <c:v>BW</c:v>
+                  <c:v>CA</c:v>
                 </c:pt>
                 <c:pt idx="4">
-                  <c:v>DC</c:v>
+                  <c:v>LC</c:v>
                 </c:pt>
                 <c:pt idx="5">
-                  <c:v>SC</c:v>
+                  <c:v>SM</c:v>
                 </c:pt>
               </c:strCache>
             </c:strRef>
@@ -230,7 +235,7 @@
               <c:strCache>
                 <c:ptCount val="1"/>
                 <c:pt idx="0">
-                  <c:v>Somewhat adequate</c:v>
+                  <c:v>Ligeiramente adequada</c:v>
                 </c:pt>
               </c:strCache>
             </c:strRef>
@@ -254,19 +259,19 @@
                   <c:v>CF</c:v>
                 </c:pt>
                 <c:pt idx="1">
-                  <c:v>CT</c:v>
+                  <c:v>ET</c:v>
                 </c:pt>
                 <c:pt idx="2">
-                  <c:v>TC</c:v>
+                  <c:v>CC</c:v>
                 </c:pt>
                 <c:pt idx="3">
-                  <c:v>BW</c:v>
+                  <c:v>CA</c:v>
                 </c:pt>
                 <c:pt idx="4">
-                  <c:v>DC</c:v>
+                  <c:v>LC</c:v>
                 </c:pt>
                 <c:pt idx="5">
-                  <c:v>SC</c:v>
+                  <c:v>SM</c:v>
                 </c:pt>
               </c:strCache>
             </c:strRef>
@@ -313,7 +318,7 @@
               <c:strCache>
                 <c:ptCount val="1"/>
                 <c:pt idx="0">
-                  <c:v>Somewhat inadequate</c:v>
+                  <c:v>Ligeiramente inadequada</c:v>
                 </c:pt>
               </c:strCache>
             </c:strRef>
@@ -337,19 +342,19 @@
                   <c:v>CF</c:v>
                 </c:pt>
                 <c:pt idx="1">
-                  <c:v>CT</c:v>
+                  <c:v>ET</c:v>
                 </c:pt>
                 <c:pt idx="2">
-                  <c:v>TC</c:v>
+                  <c:v>CC</c:v>
                 </c:pt>
                 <c:pt idx="3">
-                  <c:v>BW</c:v>
+                  <c:v>CA</c:v>
                 </c:pt>
                 <c:pt idx="4">
-                  <c:v>DC</c:v>
+                  <c:v>LC</c:v>
                 </c:pt>
                 <c:pt idx="5">
-                  <c:v>SC</c:v>
+                  <c:v>SM</c:v>
                 </c:pt>
               </c:strCache>
             </c:strRef>
@@ -396,7 +401,7 @@
               <c:strCache>
                 <c:ptCount val="1"/>
                 <c:pt idx="0">
-                  <c:v>Extremely inadequate</c:v>
+                  <c:v>Muito inadequada</c:v>
                 </c:pt>
               </c:strCache>
             </c:strRef>
@@ -420,19 +425,19 @@
                   <c:v>CF</c:v>
                 </c:pt>
                 <c:pt idx="1">
-                  <c:v>CT</c:v>
+                  <c:v>ET</c:v>
                 </c:pt>
                 <c:pt idx="2">
-                  <c:v>TC</c:v>
+                  <c:v>CC</c:v>
                 </c:pt>
                 <c:pt idx="3">
-                  <c:v>BW</c:v>
+                  <c:v>CA</c:v>
                 </c:pt>
                 <c:pt idx="4">
-                  <c:v>DC</c:v>
+                  <c:v>LC</c:v>
                 </c:pt>
                 <c:pt idx="5">
-                  <c:v>SC</c:v>
+                  <c:v>SM</c:v>
                 </c:pt>
               </c:strCache>
             </c:strRef>
@@ -507,9 +512,10 @@
                   </a:defRPr>
                 </a:pPr>
                 <a:r>
-                  <a:rPr lang="en-US" b="1" dirty="0"/>
-                  <a:t>Categories</a:t>
+                  <a:rPr lang="en-US" b="1" dirty="0" err="1"/>
+                  <a:t>Categorias</a:t>
                 </a:r>
+                <a:endParaRPr lang="en-US" b="1" dirty="0"/>
               </a:p>
             </c:rich>
           </c:tx>
@@ -627,9 +633,10 @@
                   </a:defRPr>
                 </a:pPr>
                 <a:r>
-                  <a:rPr lang="en-US" b="1"/>
-                  <a:t>Percentage</a:t>
+                  <a:rPr lang="en-US" b="1" dirty="0" err="1"/>
+                  <a:t>Porcentagem</a:t>
                 </a:r>
+                <a:endParaRPr lang="en-US" b="1" dirty="0"/>
               </a:p>
             </c:rich>
           </c:tx>
@@ -1454,7 +1461,7 @@
           <a:p>
             <a:fld id="{095680D3-45DF-4A57-A9C0-1288ACF88376}" type="datetimeFigureOut">
               <a:rPr lang="en-US" smtClean="0"/>
-              <a:t>8/29/2022</a:t>
+              <a:t>12/2/2022</a:t>
             </a:fld>
             <a:endParaRPr lang="en-US"/>
           </a:p>
@@ -1624,7 +1631,7 @@
           <a:p>
             <a:fld id="{095680D3-45DF-4A57-A9C0-1288ACF88376}" type="datetimeFigureOut">
               <a:rPr lang="en-US" smtClean="0"/>
-              <a:t>8/29/2022</a:t>
+              <a:t>12/2/2022</a:t>
             </a:fld>
             <a:endParaRPr lang="en-US"/>
           </a:p>
@@ -1804,7 +1811,7 @@
           <a:p>
             <a:fld id="{095680D3-45DF-4A57-A9C0-1288ACF88376}" type="datetimeFigureOut">
               <a:rPr lang="en-US" smtClean="0"/>
-              <a:t>8/29/2022</a:t>
+              <a:t>12/2/2022</a:t>
             </a:fld>
             <a:endParaRPr lang="en-US"/>
           </a:p>
@@ -1974,7 +1981,7 @@
           <a:p>
             <a:fld id="{095680D3-45DF-4A57-A9C0-1288ACF88376}" type="datetimeFigureOut">
               <a:rPr lang="en-US" smtClean="0"/>
-              <a:t>8/29/2022</a:t>
+              <a:t>12/2/2022</a:t>
             </a:fld>
             <a:endParaRPr lang="en-US"/>
           </a:p>
@@ -2218,7 +2225,7 @@
           <a:p>
             <a:fld id="{095680D3-45DF-4A57-A9C0-1288ACF88376}" type="datetimeFigureOut">
               <a:rPr lang="en-US" smtClean="0"/>
-              <a:t>8/29/2022</a:t>
+              <a:t>12/2/2022</a:t>
             </a:fld>
             <a:endParaRPr lang="en-US"/>
           </a:p>
@@ -2450,7 +2457,7 @@
           <a:p>
             <a:fld id="{095680D3-45DF-4A57-A9C0-1288ACF88376}" type="datetimeFigureOut">
               <a:rPr lang="en-US" smtClean="0"/>
-              <a:t>8/29/2022</a:t>
+              <a:t>12/2/2022</a:t>
             </a:fld>
             <a:endParaRPr lang="en-US"/>
           </a:p>
@@ -2817,7 +2824,7 @@
           <a:p>
             <a:fld id="{095680D3-45DF-4A57-A9C0-1288ACF88376}" type="datetimeFigureOut">
               <a:rPr lang="en-US" smtClean="0"/>
-              <a:t>8/29/2022</a:t>
+              <a:t>12/2/2022</a:t>
             </a:fld>
             <a:endParaRPr lang="en-US"/>
           </a:p>
@@ -2935,7 +2942,7 @@
           <a:p>
             <a:fld id="{095680D3-45DF-4A57-A9C0-1288ACF88376}" type="datetimeFigureOut">
               <a:rPr lang="en-US" smtClean="0"/>
-              <a:t>8/29/2022</a:t>
+              <a:t>12/2/2022</a:t>
             </a:fld>
             <a:endParaRPr lang="en-US"/>
           </a:p>
@@ -3030,7 +3037,7 @@
           <a:p>
             <a:fld id="{095680D3-45DF-4A57-A9C0-1288ACF88376}" type="datetimeFigureOut">
               <a:rPr lang="en-US" smtClean="0"/>
-              <a:t>8/29/2022</a:t>
+              <a:t>12/2/2022</a:t>
             </a:fld>
             <a:endParaRPr lang="en-US"/>
           </a:p>
@@ -3307,7 +3314,7 @@
           <a:p>
             <a:fld id="{095680D3-45DF-4A57-A9C0-1288ACF88376}" type="datetimeFigureOut">
               <a:rPr lang="en-US" smtClean="0"/>
-              <a:t>8/29/2022</a:t>
+              <a:t>12/2/2022</a:t>
             </a:fld>
             <a:endParaRPr lang="en-US"/>
           </a:p>
@@ -3564,7 +3571,7 @@
           <a:p>
             <a:fld id="{095680D3-45DF-4A57-A9C0-1288ACF88376}" type="datetimeFigureOut">
               <a:rPr lang="en-US" smtClean="0"/>
-              <a:t>8/29/2022</a:t>
+              <a:t>12/2/2022</a:t>
             </a:fld>
             <a:endParaRPr lang="en-US"/>
           </a:p>
@@ -3777,7 +3784,7 @@
           <a:p>
             <a:fld id="{095680D3-45DF-4A57-A9C0-1288ACF88376}" type="datetimeFigureOut">
               <a:rPr lang="en-US" smtClean="0"/>
-              <a:t>8/29/2022</a:t>
+              <a:t>12/2/2022</a:t>
             </a:fld>
             <a:endParaRPr lang="en-US"/>
           </a:p>
@@ -4197,7 +4204,7 @@
           <p:nvPr>
             <p:extLst>
               <p:ext uri="{D42A27DB-BD31-4B8C-83A1-F6EECF244321}">
-                <p14:modId xmlns:p14="http://schemas.microsoft.com/office/powerpoint/2010/main" val="778415247"/>
+                <p14:modId xmlns:p14="http://schemas.microsoft.com/office/powerpoint/2010/main" val="205642091"/>
               </p:ext>
             </p:extLst>
           </p:nvPr>

--- a/results/images/survey_evaluation.pptx
+++ b/results/images/survey_evaluation.pptx
@@ -502,7 +502,7 @@
               <a:lstStyle/>
               <a:p>
                 <a:pPr>
-                  <a:defRPr sz="1200" b="1" i="0" u="none" strike="noStrike" kern="1200" baseline="0">
+                  <a:defRPr sz="1200" b="0" i="0" u="none" strike="noStrike" kern="1200" baseline="0">
                     <a:solidFill>
                       <a:schemeClr val="tx1"/>
                     </a:solidFill>
@@ -512,10 +512,10 @@
                   </a:defRPr>
                 </a:pPr>
                 <a:r>
-                  <a:rPr lang="en-US" b="1" dirty="0" err="1"/>
+                  <a:rPr lang="en-US" b="0" dirty="0" err="1"/>
                   <a:t>Categorias</a:t>
                 </a:r>
-                <a:endParaRPr lang="en-US" b="1" dirty="0"/>
+                <a:endParaRPr lang="en-US" b="0" dirty="0"/>
               </a:p>
             </c:rich>
           </c:tx>
@@ -540,7 +540,7 @@
             <a:lstStyle/>
             <a:p>
               <a:pPr>
-                <a:defRPr sz="1200" b="1" i="0" u="none" strike="noStrike" kern="1200" baseline="0">
+                <a:defRPr sz="1200" b="0" i="0" u="none" strike="noStrike" kern="1200" baseline="0">
                   <a:solidFill>
                     <a:schemeClr val="tx1"/>
                   </a:solidFill>
@@ -623,7 +623,7 @@
               <a:lstStyle/>
               <a:p>
                 <a:pPr>
-                  <a:defRPr sz="1200" b="1" i="0" u="none" strike="noStrike" kern="1200" baseline="0">
+                  <a:defRPr sz="1200" b="0" i="0" u="none" strike="noStrike" kern="1200" baseline="0">
                     <a:solidFill>
                       <a:schemeClr val="tx1"/>
                     </a:solidFill>
@@ -633,10 +633,10 @@
                   </a:defRPr>
                 </a:pPr>
                 <a:r>
-                  <a:rPr lang="en-US" b="1" dirty="0" err="1"/>
+                  <a:rPr lang="en-US" b="0" dirty="0" err="1"/>
                   <a:t>Porcentagem</a:t>
                 </a:r>
-                <a:endParaRPr lang="en-US" b="1" dirty="0"/>
+                <a:endParaRPr lang="en-US" b="0" dirty="0"/>
               </a:p>
             </c:rich>
           </c:tx>
@@ -653,7 +653,7 @@
             <a:lstStyle/>
             <a:p>
               <a:pPr>
-                <a:defRPr sz="1200" b="1" i="0" u="none" strike="noStrike" kern="1200" baseline="0">
+                <a:defRPr sz="1200" b="0" i="0" u="none" strike="noStrike" kern="1200" baseline="0">
                   <a:solidFill>
                     <a:schemeClr val="tx1"/>
                   </a:solidFill>
@@ -1461,7 +1461,7 @@
           <a:p>
             <a:fld id="{095680D3-45DF-4A57-A9C0-1288ACF88376}" type="datetimeFigureOut">
               <a:rPr lang="en-US" smtClean="0"/>
-              <a:t>12/2/2022</a:t>
+              <a:t>12/12/2022</a:t>
             </a:fld>
             <a:endParaRPr lang="en-US"/>
           </a:p>
@@ -1631,7 +1631,7 @@
           <a:p>
             <a:fld id="{095680D3-45DF-4A57-A9C0-1288ACF88376}" type="datetimeFigureOut">
               <a:rPr lang="en-US" smtClean="0"/>
-              <a:t>12/2/2022</a:t>
+              <a:t>12/12/2022</a:t>
             </a:fld>
             <a:endParaRPr lang="en-US"/>
           </a:p>
@@ -1811,7 +1811,7 @@
           <a:p>
             <a:fld id="{095680D3-45DF-4A57-A9C0-1288ACF88376}" type="datetimeFigureOut">
               <a:rPr lang="en-US" smtClean="0"/>
-              <a:t>12/2/2022</a:t>
+              <a:t>12/12/2022</a:t>
             </a:fld>
             <a:endParaRPr lang="en-US"/>
           </a:p>
@@ -1981,7 +1981,7 @@
           <a:p>
             <a:fld id="{095680D3-45DF-4A57-A9C0-1288ACF88376}" type="datetimeFigureOut">
               <a:rPr lang="en-US" smtClean="0"/>
-              <a:t>12/2/2022</a:t>
+              <a:t>12/12/2022</a:t>
             </a:fld>
             <a:endParaRPr lang="en-US"/>
           </a:p>
@@ -2225,7 +2225,7 @@
           <a:p>
             <a:fld id="{095680D3-45DF-4A57-A9C0-1288ACF88376}" type="datetimeFigureOut">
               <a:rPr lang="en-US" smtClean="0"/>
-              <a:t>12/2/2022</a:t>
+              <a:t>12/12/2022</a:t>
             </a:fld>
             <a:endParaRPr lang="en-US"/>
           </a:p>
@@ -2457,7 +2457,7 @@
           <a:p>
             <a:fld id="{095680D3-45DF-4A57-A9C0-1288ACF88376}" type="datetimeFigureOut">
               <a:rPr lang="en-US" smtClean="0"/>
-              <a:t>12/2/2022</a:t>
+              <a:t>12/12/2022</a:t>
             </a:fld>
             <a:endParaRPr lang="en-US"/>
           </a:p>
@@ -2824,7 +2824,7 @@
           <a:p>
             <a:fld id="{095680D3-45DF-4A57-A9C0-1288ACF88376}" type="datetimeFigureOut">
               <a:rPr lang="en-US" smtClean="0"/>
-              <a:t>12/2/2022</a:t>
+              <a:t>12/12/2022</a:t>
             </a:fld>
             <a:endParaRPr lang="en-US"/>
           </a:p>
@@ -2942,7 +2942,7 @@
           <a:p>
             <a:fld id="{095680D3-45DF-4A57-A9C0-1288ACF88376}" type="datetimeFigureOut">
               <a:rPr lang="en-US" smtClean="0"/>
-              <a:t>12/2/2022</a:t>
+              <a:t>12/12/2022</a:t>
             </a:fld>
             <a:endParaRPr lang="en-US"/>
           </a:p>
@@ -3037,7 +3037,7 @@
           <a:p>
             <a:fld id="{095680D3-45DF-4A57-A9C0-1288ACF88376}" type="datetimeFigureOut">
               <a:rPr lang="en-US" smtClean="0"/>
-              <a:t>12/2/2022</a:t>
+              <a:t>12/12/2022</a:t>
             </a:fld>
             <a:endParaRPr lang="en-US"/>
           </a:p>
@@ -3314,7 +3314,7 @@
           <a:p>
             <a:fld id="{095680D3-45DF-4A57-A9C0-1288ACF88376}" type="datetimeFigureOut">
               <a:rPr lang="en-US" smtClean="0"/>
-              <a:t>12/2/2022</a:t>
+              <a:t>12/12/2022</a:t>
             </a:fld>
             <a:endParaRPr lang="en-US"/>
           </a:p>
@@ -3571,7 +3571,7 @@
           <a:p>
             <a:fld id="{095680D3-45DF-4A57-A9C0-1288ACF88376}" type="datetimeFigureOut">
               <a:rPr lang="en-US" smtClean="0"/>
-              <a:t>12/2/2022</a:t>
+              <a:t>12/12/2022</a:t>
             </a:fld>
             <a:endParaRPr lang="en-US"/>
           </a:p>
@@ -3784,7 +3784,7 @@
           <a:p>
             <a:fld id="{095680D3-45DF-4A57-A9C0-1288ACF88376}" type="datetimeFigureOut">
               <a:rPr lang="en-US" smtClean="0"/>
-              <a:t>12/2/2022</a:t>
+              <a:t>12/12/2022</a:t>
             </a:fld>
             <a:endParaRPr lang="en-US"/>
           </a:p>
@@ -4204,7 +4204,7 @@
           <p:nvPr>
             <p:extLst>
               <p:ext uri="{D42A27DB-BD31-4B8C-83A1-F6EECF244321}">
-                <p14:modId xmlns:p14="http://schemas.microsoft.com/office/powerpoint/2010/main" val="205642091"/>
+                <p14:modId xmlns:p14="http://schemas.microsoft.com/office/powerpoint/2010/main" val="3429207564"/>
               </p:ext>
             </p:extLst>
           </p:nvPr>
